--- a/test-colors.pptx
+++ b/test-colors.pptx
@@ -7,7 +7,7 @@
   <p:sldIdLst>
     <p:sldId id="256" r:id="rId6"/>
   </p:sldIdLst>
-  <p:sldSz cx="24384000" cy="13716000"/>
+  <p:sldSz cx="24384000" cy="25400000"/>
   <p:notesSz cx="6858000" cy="9144000"/>
   <p:defaultTextStyle>
     <a:defPPr>
@@ -3069,7 +3069,7 @@
         </p:nvSpPr>
         <p:spPr>
           <a:xfrm rot="5400000">
-            <a:off x="11239500" y="4114800"/>
+            <a:off x="11239500" y="3479800"/>
             <a:ext cx="1905000" cy="25400"/>
           </a:xfrm>
           <a:prstGeom prst="rect">
@@ -3093,7 +3093,7 @@
         </p:nvSpPr>
         <p:spPr>
           <a:xfrm rot="5400000">
-            <a:off x="11239500" y="7289800"/>
+            <a:off x="11239500" y="6654800"/>
             <a:ext cx="1905000" cy="25400"/>
           </a:xfrm>
           <a:prstGeom prst="rect">
@@ -3117,7 +3117,7 @@
         </p:nvSpPr>
         <p:spPr>
           <a:xfrm>
-            <a:off x="10871200" y="1981200"/>
+            <a:off x="10871200" y="1346200"/>
             <a:ext cx="2794000" cy="1270000"/>
           </a:xfrm>
           <a:prstGeom prst="roundRect">
@@ -3141,7 +3141,7 @@
         </p:nvSpPr>
         <p:spPr>
           <a:xfrm>
-            <a:off x="10871200" y="5156200"/>
+            <a:off x="10871200" y="4521200"/>
             <a:ext cx="2794000" cy="1270000"/>
           </a:xfrm>
           <a:prstGeom prst="roundRect">
@@ -3165,7 +3165,7 @@
         </p:nvSpPr>
         <p:spPr>
           <a:xfrm>
-            <a:off x="10871200" y="8331200"/>
+            <a:off x="10871200" y="7696200"/>
             <a:ext cx="2794000" cy="1270000"/>
           </a:xfrm>
           <a:prstGeom prst="flowChartMagneticDisk">
@@ -3189,7 +3189,7 @@
         </p:nvSpPr>
         <p:spPr>
           <a:xfrm>
-            <a:off x="10795000" y="1905000"/>
+            <a:off x="10795000" y="1270000"/>
             <a:ext cx="2794000" cy="1270000"/>
           </a:xfrm>
           <a:prstGeom prst="roundRect">
@@ -3242,7 +3242,7 @@
         </p:nvSpPr>
         <p:spPr>
           <a:xfrm>
-            <a:off x="10795000" y="5080000"/>
+            <a:off x="10795000" y="4445000"/>
             <a:ext cx="2794000" cy="1270000"/>
           </a:xfrm>
           <a:prstGeom prst="roundRect">
@@ -3295,7 +3295,7 @@
         </p:nvSpPr>
         <p:spPr>
           <a:xfrm>
-            <a:off x="10795000" y="8255000"/>
+            <a:off x="10795000" y="7620000"/>
             <a:ext cx="2794000" cy="1270000"/>
           </a:xfrm>
           <a:prstGeom prst="flowChartMagneticDisk">
